--- a/Documentation/Final Documentation/Team1_May_06_2009_Final_Presentation_Sat.pptx
+++ b/Documentation/Final Documentation/Team1_May_06_2009_Final_Presentation_Sat.pptx
@@ -3138,9 +3138,6 @@
               </a:rPr>
               <a:t> </a:t>
             </a:r>
-            <a:endParaRPr lang="en-US" sz="2400" dirty="0" smtClean="0">
-              <a:latin typeface="Calibri" pitchFamily="34" charset="0"/>
-            </a:endParaRPr>
           </a:p>
           <a:p>
             <a:pPr eaLnBrk="1" hangingPunct="1">
@@ -3444,11 +3441,7 @@
           <a:p>
             <a:r>
               <a:rPr lang="en-US" dirty="0" smtClean="0"/>
-              <a:t>Chose: </a:t>
-            </a:r>
-            <a:r>
-              <a:rPr lang="en-US" dirty="0" smtClean="0"/>
-              <a:t>Sockets</a:t>
+              <a:t>Chose: Sockets</a:t>
             </a:r>
           </a:p>
           <a:p>
@@ -3530,10 +3523,6 @@
               </a:rPr>
               <a:t>Architecture</a:t>
             </a:r>
-            <a:endParaRPr lang="en-US" sz="4800" dirty="0" smtClean="0">
-              <a:latin typeface="Calibri" pitchFamily="34" charset="0"/>
-              <a:cs typeface="Times New Roman" pitchFamily="18" charset="0"/>
-            </a:endParaRPr>
           </a:p>
         </p:txBody>
       </p:sp>
@@ -3554,7 +3543,9 @@
           </a:xfrm>
         </p:spPr>
         <p:txBody>
-          <a:bodyPr/>
+          <a:bodyPr>
+            <a:normAutofit fontScale="92500"/>
+          </a:bodyPr>
           <a:lstStyle/>
           <a:p>
             <a:r>
@@ -3577,21 +3568,8 @@
           <a:p>
             <a:r>
               <a:rPr lang="en-US" dirty="0" smtClean="0"/>
-              <a:t>Distributed System consists </a:t>
-            </a:r>
-            <a:r>
-              <a:rPr lang="en-US" dirty="0" smtClean="0"/>
-              <a:t>of </a:t>
-            </a:r>
-            <a:r>
-              <a:rPr lang="en-US" dirty="0" smtClean="0"/>
-              <a:t>interacting components</a:t>
-            </a:r>
-            <a:r>
-              <a:rPr lang="en-US" dirty="0" smtClean="0"/>
-              <a:t>: </a:t>
-            </a:r>
-            <a:endParaRPr lang="en-US" dirty="0" smtClean="0"/>
+              <a:t>Distributed System consists of interacting components: </a:t>
+            </a:r>
           </a:p>
           <a:p>
             <a:pPr lvl="1"/>
@@ -3625,24 +3603,9 @@
             <a:pPr lvl="1"/>
             <a:r>
               <a:rPr lang="en-US" dirty="0" smtClean="0"/>
-              <a:t>Client-Server </a:t>
-            </a:r>
-            <a:r>
-              <a:rPr lang="en-US" sz="2400" dirty="0" smtClean="0"/>
-              <a:t>(for drawing)</a:t>
-            </a:r>
-            <a:r>
-              <a:rPr lang="en-US" dirty="0" smtClean="0"/>
-              <a:t> and P2P </a:t>
-            </a:r>
-            <a:r>
-              <a:rPr lang="en-US" sz="2400" dirty="0" smtClean="0"/>
-              <a:t>(for chat)</a:t>
-            </a:r>
-            <a:r>
-              <a:rPr lang="en-US" dirty="0" smtClean="0"/>
-              <a:t> co-exist</a:t>
-            </a:r>
+              <a:t>Pure P2P system, connection done in a semi client/server fashion before peer is fully connected.</a:t>
+            </a:r>
+            <a:endParaRPr lang="en-US" dirty="0" smtClean="0"/>
           </a:p>
           <a:p>
             <a:r>
@@ -4846,7 +4809,11 @@
           <a:p>
             <a:r>
               <a:rPr lang="en-US" sz="1600" dirty="0" smtClean="0"/>
-              <a:t>P2P Network is strongly connected</a:t>
+              <a:t>P2P Network is </a:t>
+            </a:r>
+            <a:r>
+              <a:rPr lang="en-US" sz="1600" dirty="0" smtClean="0"/>
+              <a:t>fully connected</a:t>
             </a:r>
             <a:endParaRPr lang="en-US" sz="1600" dirty="0"/>
           </a:p>
@@ -4905,10 +4872,6 @@
               </a:rPr>
               <a:t>Schedule: Actual vs. Intended</a:t>
             </a:r>
-            <a:endParaRPr lang="en-US" sz="4000" dirty="0" smtClean="0">
-              <a:latin typeface="Calibri" pitchFamily="34" charset="0"/>
-              <a:cs typeface="Times New Roman" pitchFamily="18" charset="0"/>
-            </a:endParaRPr>
           </a:p>
         </p:txBody>
       </p:sp>
@@ -5130,8 +5093,25 @@
             </a:pPr>
             <a:r>
               <a:rPr lang="en-US" sz="2400" dirty="0" smtClean="0"/>
-              <a:t>Sockets didn’t work as expected. But, on the whole, it was a good idea to roll-our-own distributed system (not use a std. framework)</a:t>
-            </a:r>
+              <a:t>Sockets didn’t work as expected. </a:t>
+            </a:r>
+            <a:r>
+              <a:rPr lang="en-US" sz="2400" dirty="0" smtClean="0"/>
+              <a:t> Jav</a:t>
+            </a:r>
+            <a:r>
+              <a:rPr lang="en-US" sz="2400" dirty="0" smtClean="0"/>
+              <a:t>a support for asynchronous operations is non-</a:t>
+            </a:r>
+            <a:r>
+              <a:rPr lang="en-US" sz="2400" dirty="0" err="1" smtClean="0"/>
+              <a:t>existant</a:t>
+            </a:r>
+            <a:r>
+              <a:rPr lang="en-US" sz="2400" dirty="0" smtClean="0"/>
+              <a:t>.  But Object streams were an easy to use.</a:t>
+            </a:r>
+            <a:endParaRPr lang="en-US" sz="2400" dirty="0" smtClean="0"/>
           </a:p>
           <a:p>
             <a:pPr marL="457200" indent="-457200">
@@ -5148,7 +5128,11 @@
             </a:pPr>
             <a:r>
               <a:rPr lang="en-US" sz="2400" dirty="0" smtClean="0"/>
-              <a:t>Underestimated effort reqd. for reading other team’s code-base</a:t>
+              <a:t>On-boarding group members to common set of code took longer </a:t>
+            </a:r>
+            <a:r>
+              <a:rPr lang="en-US" sz="2400" smtClean="0"/>
+              <a:t>than expected.</a:t>
             </a:r>
             <a:endParaRPr lang="en-US" sz="2400" dirty="0" smtClean="0"/>
           </a:p>
